--- a/jdandrea_SheepCompetition/StateMachine.pptx
+++ b/jdandrea_SheepCompetition/StateMachine.pptx
@@ -104,6 +104,11 @@
       </a:defRPr>
     </a:lvl9pPr>
   </p:defaultTextStyle>
+  <p:extLst>
+    <p:ext uri="{EFAFB233-063F-42B5-8137-9DF3F51BA10A}">
+      <p15:sldGuideLst xmlns:p15="http://schemas.microsoft.com/office/powerpoint/2012/main"/>
+    </p:ext>
+  </p:extLst>
 </p:presentation>
 </file>
 
@@ -254,7 +259,7 @@
           <a:p>
             <a:fld id="{FDE0311E-1D8C-43EB-B70F-9DD587A31BB1}" type="datetimeFigureOut">
               <a:rPr lang="en-US" smtClean="0"/>
-              <a:t>3/21/2020</a:t>
+              <a:t>3/22/2020</a:t>
             </a:fld>
             <a:endParaRPr lang="en-US"/>
           </a:p>
@@ -452,7 +457,7 @@
           <a:p>
             <a:fld id="{FDE0311E-1D8C-43EB-B70F-9DD587A31BB1}" type="datetimeFigureOut">
               <a:rPr lang="en-US" smtClean="0"/>
-              <a:t>3/21/2020</a:t>
+              <a:t>3/22/2020</a:t>
             </a:fld>
             <a:endParaRPr lang="en-US"/>
           </a:p>
@@ -660,7 +665,7 @@
           <a:p>
             <a:fld id="{FDE0311E-1D8C-43EB-B70F-9DD587A31BB1}" type="datetimeFigureOut">
               <a:rPr lang="en-US" smtClean="0"/>
-              <a:t>3/21/2020</a:t>
+              <a:t>3/22/2020</a:t>
             </a:fld>
             <a:endParaRPr lang="en-US"/>
           </a:p>
@@ -858,7 +863,7 @@
           <a:p>
             <a:fld id="{FDE0311E-1D8C-43EB-B70F-9DD587A31BB1}" type="datetimeFigureOut">
               <a:rPr lang="en-US" smtClean="0"/>
-              <a:t>3/21/2020</a:t>
+              <a:t>3/22/2020</a:t>
             </a:fld>
             <a:endParaRPr lang="en-US"/>
           </a:p>
@@ -1133,7 +1138,7 @@
           <a:p>
             <a:fld id="{FDE0311E-1D8C-43EB-B70F-9DD587A31BB1}" type="datetimeFigureOut">
               <a:rPr lang="en-US" smtClean="0"/>
-              <a:t>3/21/2020</a:t>
+              <a:t>3/22/2020</a:t>
             </a:fld>
             <a:endParaRPr lang="en-US"/>
           </a:p>
@@ -1398,7 +1403,7 @@
           <a:p>
             <a:fld id="{FDE0311E-1D8C-43EB-B70F-9DD587A31BB1}" type="datetimeFigureOut">
               <a:rPr lang="en-US" smtClean="0"/>
-              <a:t>3/21/2020</a:t>
+              <a:t>3/22/2020</a:t>
             </a:fld>
             <a:endParaRPr lang="en-US"/>
           </a:p>
@@ -1810,7 +1815,7 @@
           <a:p>
             <a:fld id="{FDE0311E-1D8C-43EB-B70F-9DD587A31BB1}" type="datetimeFigureOut">
               <a:rPr lang="en-US" smtClean="0"/>
-              <a:t>3/21/2020</a:t>
+              <a:t>3/22/2020</a:t>
             </a:fld>
             <a:endParaRPr lang="en-US"/>
           </a:p>
@@ -1951,7 +1956,7 @@
           <a:p>
             <a:fld id="{FDE0311E-1D8C-43EB-B70F-9DD587A31BB1}" type="datetimeFigureOut">
               <a:rPr lang="en-US" smtClean="0"/>
-              <a:t>3/21/2020</a:t>
+              <a:t>3/22/2020</a:t>
             </a:fld>
             <a:endParaRPr lang="en-US"/>
           </a:p>
@@ -2064,7 +2069,7 @@
           <a:p>
             <a:fld id="{FDE0311E-1D8C-43EB-B70F-9DD587A31BB1}" type="datetimeFigureOut">
               <a:rPr lang="en-US" smtClean="0"/>
-              <a:t>3/21/2020</a:t>
+              <a:t>3/22/2020</a:t>
             </a:fld>
             <a:endParaRPr lang="en-US"/>
           </a:p>
@@ -2375,7 +2380,7 @@
           <a:p>
             <a:fld id="{FDE0311E-1D8C-43EB-B70F-9DD587A31BB1}" type="datetimeFigureOut">
               <a:rPr lang="en-US" smtClean="0"/>
-              <a:t>3/21/2020</a:t>
+              <a:t>3/22/2020</a:t>
             </a:fld>
             <a:endParaRPr lang="en-US"/>
           </a:p>
@@ -2663,7 +2668,7 @@
           <a:p>
             <a:fld id="{FDE0311E-1D8C-43EB-B70F-9DD587A31BB1}" type="datetimeFigureOut">
               <a:rPr lang="en-US" smtClean="0"/>
-              <a:t>3/21/2020</a:t>
+              <a:t>3/22/2020</a:t>
             </a:fld>
             <a:endParaRPr lang="en-US"/>
           </a:p>
@@ -2904,7 +2909,7 @@
           <a:p>
             <a:fld id="{FDE0311E-1D8C-43EB-B70F-9DD587A31BB1}" type="datetimeFigureOut">
               <a:rPr lang="en-US" smtClean="0"/>
-              <a:t>3/21/2020</a:t>
+              <a:t>3/22/2020</a:t>
             </a:fld>
             <a:endParaRPr lang="en-US"/>
           </a:p>
@@ -3335,8 +3340,8 @@
         </p:nvSpPr>
         <p:spPr>
           <a:xfrm>
-            <a:off x="167780" y="2533475"/>
-            <a:ext cx="1979802" cy="895525"/>
+            <a:off x="4194494" y="4311940"/>
+            <a:ext cx="1761169" cy="648709"/>
           </a:xfrm>
           <a:prstGeom prst="roundRect">
             <a:avLst/>
@@ -3381,7 +3386,7 @@
         </p:nvSpPr>
         <p:spPr>
           <a:xfrm>
-            <a:off x="243281" y="2592198"/>
+            <a:off x="234891" y="2595343"/>
             <a:ext cx="1828800" cy="771787"/>
           </a:xfrm>
           <a:prstGeom prst="roundRect">
@@ -3427,7 +3432,7 @@
         </p:nvSpPr>
         <p:spPr>
           <a:xfrm>
-            <a:off x="4924338" y="210768"/>
+            <a:off x="6820249" y="106954"/>
             <a:ext cx="1979802" cy="895525"/>
           </a:xfrm>
           <a:prstGeom prst="roundRect">
@@ -3473,7 +3478,7 @@
         </p:nvSpPr>
         <p:spPr>
           <a:xfrm>
-            <a:off x="10044418" y="2533475"/>
+            <a:off x="9755724" y="4759109"/>
             <a:ext cx="1979802" cy="895525"/>
           </a:xfrm>
           <a:prstGeom prst="roundRect">
@@ -3505,73 +3510,465 @@
           </a:p>
         </p:txBody>
       </p:sp>
-      <p:sp>
-        <p:nvSpPr>
-          <p:cNvPr id="11" name="Rectangle: Rounded Corners 10">
-            <a:extLst>
-              <a:ext uri="{FF2B5EF4-FFF2-40B4-BE49-F238E27FC236}">
-                <a16:creationId xmlns:a16="http://schemas.microsoft.com/office/drawing/2014/main" id="{3C58D7B5-B1B8-4BBD-BBFB-61543B732A66}"/>
-              </a:ext>
-            </a:extLst>
-          </p:cNvPr>
-          <p:cNvSpPr/>
+      <p:cxnSp>
+        <p:nvCxnSpPr>
+          <p:cNvPr id="27" name="Straight Arrow Connector 26">
+            <a:extLst>
+              <a:ext uri="{FF2B5EF4-FFF2-40B4-BE49-F238E27FC236}">
+                <a16:creationId xmlns:a16="http://schemas.microsoft.com/office/drawing/2014/main" id="{D691B949-E02B-45E0-8DDB-3B22500DCF6B}"/>
+              </a:ext>
+            </a:extLst>
+          </p:cNvPr>
+          <p:cNvCxnSpPr>
+            <a:cxnSpLocks/>
+            <a:stCxn id="9" idx="1"/>
+            <a:endCxn id="7" idx="3"/>
+          </p:cNvCxnSpPr>
           <p:nvPr/>
-        </p:nvSpPr>
-        <p:spPr>
-          <a:xfrm>
-            <a:off x="4924338" y="5407758"/>
-            <a:ext cx="1979802" cy="895525"/>
-          </a:xfrm>
-          <a:prstGeom prst="roundRect">
+        </p:nvCxnSpPr>
+        <p:spPr>
+          <a:xfrm flipH="1">
+            <a:off x="5955663" y="554717"/>
+            <a:ext cx="864586" cy="4081578"/>
+          </a:xfrm>
+          <a:prstGeom prst="straightConnector1">
             <a:avLst/>
           </a:prstGeom>
+          <a:ln>
+            <a:tailEnd type="triangle"/>
+          </a:ln>
         </p:spPr>
         <p:style>
-          <a:lnRef idx="2">
-            <a:schemeClr val="accent1">
-              <a:shade val="50000"/>
-            </a:schemeClr>
+          <a:lnRef idx="1">
+            <a:schemeClr val="accent1"/>
           </a:lnRef>
-          <a:fillRef idx="1">
+          <a:fillRef idx="0">
             <a:schemeClr val="accent1"/>
           </a:fillRef>
           <a:effectRef idx="0">
             <a:schemeClr val="accent1"/>
           </a:effectRef>
           <a:fontRef idx="minor">
-            <a:schemeClr val="lt1"/>
+            <a:schemeClr val="tx1"/>
           </a:fontRef>
         </p:style>
-        <p:txBody>
-          <a:bodyPr rtlCol="0" anchor="ctr"/>
+      </p:cxnSp>
+      <p:sp>
+        <p:nvSpPr>
+          <p:cNvPr id="28" name="TextBox 27">
+            <a:extLst>
+              <a:ext uri="{FF2B5EF4-FFF2-40B4-BE49-F238E27FC236}">
+                <a16:creationId xmlns:a16="http://schemas.microsoft.com/office/drawing/2014/main" id="{552EDF28-13C5-4AEC-8A31-547931CF0AB0}"/>
+              </a:ext>
+            </a:extLst>
+          </p:cNvPr>
+          <p:cNvSpPr txBox="1"/>
+          <p:nvPr/>
+        </p:nvSpPr>
+        <p:spPr>
+          <a:xfrm>
+            <a:off x="448810" y="2796571"/>
+            <a:ext cx="1417739" cy="369332"/>
+          </a:xfrm>
+          <a:prstGeom prst="rect">
+            <a:avLst/>
+          </a:prstGeom>
+          <a:noFill/>
+        </p:spPr>
+        <p:txBody>
+          <a:bodyPr wrap="square" rtlCol="0">
+            <a:spAutoFit/>
+          </a:bodyPr>
           <a:lstStyle/>
           <a:p>
             <a:pPr algn="ctr"/>
-            <a:endParaRPr lang="en-US"/>
+            <a:r>
+              <a:rPr lang="en-US" dirty="0"/>
+              <a:t>IDLE</a:t>
+            </a:r>
+          </a:p>
+        </p:txBody>
+      </p:sp>
+      <p:sp>
+        <p:nvSpPr>
+          <p:cNvPr id="32" name="TextBox 31">
+            <a:extLst>
+              <a:ext uri="{FF2B5EF4-FFF2-40B4-BE49-F238E27FC236}">
+                <a16:creationId xmlns:a16="http://schemas.microsoft.com/office/drawing/2014/main" id="{7DEF7954-3BDC-4E7C-925A-A75BE0A2E206}"/>
+              </a:ext>
+            </a:extLst>
+          </p:cNvPr>
+          <p:cNvSpPr txBox="1"/>
+          <p:nvPr/>
+        </p:nvSpPr>
+        <p:spPr>
+          <a:xfrm>
+            <a:off x="9950864" y="5022582"/>
+            <a:ext cx="1820410" cy="369332"/>
+          </a:xfrm>
+          <a:prstGeom prst="rect">
+            <a:avLst/>
+          </a:prstGeom>
+          <a:noFill/>
+        </p:spPr>
+        <p:txBody>
+          <a:bodyPr wrap="square" rtlCol="0">
+            <a:spAutoFit/>
+          </a:bodyPr>
+          <a:lstStyle/>
+          <a:p>
+            <a:r>
+              <a:rPr lang="en-US" dirty="0" err="1"/>
+              <a:t>CalcChaseOffset</a:t>
+            </a:r>
+            <a:endParaRPr lang="en-US" dirty="0"/>
+          </a:p>
+        </p:txBody>
+      </p:sp>
+      <p:sp>
+        <p:nvSpPr>
+          <p:cNvPr id="33" name="TextBox 32">
+            <a:extLst>
+              <a:ext uri="{FF2B5EF4-FFF2-40B4-BE49-F238E27FC236}">
+                <a16:creationId xmlns:a16="http://schemas.microsoft.com/office/drawing/2014/main" id="{34C1DE52-FB9C-4A4E-8B31-F86082010F38}"/>
+              </a:ext>
+            </a:extLst>
+          </p:cNvPr>
+          <p:cNvSpPr txBox="1"/>
+          <p:nvPr/>
+        </p:nvSpPr>
+        <p:spPr>
+          <a:xfrm>
+            <a:off x="6857912" y="370050"/>
+            <a:ext cx="1820412" cy="369332"/>
+          </a:xfrm>
+          <a:prstGeom prst="rect">
+            <a:avLst/>
+          </a:prstGeom>
+          <a:noFill/>
+        </p:spPr>
+        <p:txBody>
+          <a:bodyPr wrap="square" rtlCol="0">
+            <a:spAutoFit/>
+          </a:bodyPr>
+          <a:lstStyle/>
+          <a:p>
+            <a:pPr algn="ctr"/>
+            <a:r>
+              <a:rPr lang="en-US" dirty="0"/>
+              <a:t>Chase</a:t>
+            </a:r>
+          </a:p>
+        </p:txBody>
+      </p:sp>
+      <p:sp>
+        <p:nvSpPr>
+          <p:cNvPr id="39" name="TextBox 38">
+            <a:extLst>
+              <a:ext uri="{FF2B5EF4-FFF2-40B4-BE49-F238E27FC236}">
+                <a16:creationId xmlns:a16="http://schemas.microsoft.com/office/drawing/2014/main" id="{318D7486-2F44-4FE1-BFA5-9918ADFF4A0A}"/>
+              </a:ext>
+            </a:extLst>
+          </p:cNvPr>
+          <p:cNvSpPr txBox="1"/>
+          <p:nvPr/>
+        </p:nvSpPr>
+        <p:spPr>
+          <a:xfrm rot="1539797">
+            <a:off x="3377131" y="3148915"/>
+            <a:ext cx="1979802" cy="253916"/>
+          </a:xfrm>
+          <a:prstGeom prst="rect">
+            <a:avLst/>
+          </a:prstGeom>
+          <a:noFill/>
+        </p:spPr>
+        <p:txBody>
+          <a:bodyPr wrap="square" rtlCol="0">
+            <a:spAutoFit/>
+          </a:bodyPr>
+          <a:lstStyle/>
+          <a:p>
+            <a:r>
+              <a:rPr lang="en-US" sz="1050" dirty="0"/>
+              <a:t>No sheep to chase</a:t>
+            </a:r>
+          </a:p>
+        </p:txBody>
+      </p:sp>
+      <p:sp>
+        <p:nvSpPr>
+          <p:cNvPr id="40" name="TextBox 39">
+            <a:extLst>
+              <a:ext uri="{FF2B5EF4-FFF2-40B4-BE49-F238E27FC236}">
+                <a16:creationId xmlns:a16="http://schemas.microsoft.com/office/drawing/2014/main" id="{E577A486-0E46-408F-9DB9-E2D84AF0CAA4}"/>
+              </a:ext>
+            </a:extLst>
+          </p:cNvPr>
+          <p:cNvSpPr txBox="1"/>
+          <p:nvPr/>
+        </p:nvSpPr>
+        <p:spPr>
+          <a:xfrm rot="1352366" flipH="1">
+            <a:off x="1130619" y="4436450"/>
+            <a:ext cx="1979802" cy="246221"/>
+          </a:xfrm>
+          <a:prstGeom prst="rect">
+            <a:avLst/>
+          </a:prstGeom>
+          <a:noFill/>
+        </p:spPr>
+        <p:txBody>
+          <a:bodyPr wrap="square" rtlCol="0">
+            <a:spAutoFit/>
+          </a:bodyPr>
+          <a:lstStyle/>
+          <a:p>
+            <a:r>
+              <a:rPr lang="en-US" sz="1000" dirty="0"/>
+              <a:t>Herd &gt; 0, No sheep to chase</a:t>
+            </a:r>
+          </a:p>
+        </p:txBody>
+      </p:sp>
+      <p:sp>
+        <p:nvSpPr>
+          <p:cNvPr id="41" name="TextBox 40">
+            <a:extLst>
+              <a:ext uri="{FF2B5EF4-FFF2-40B4-BE49-F238E27FC236}">
+                <a16:creationId xmlns:a16="http://schemas.microsoft.com/office/drawing/2014/main" id="{7B2024D1-53CC-4CAC-9929-AF90834C368E}"/>
+              </a:ext>
+            </a:extLst>
+          </p:cNvPr>
+          <p:cNvSpPr txBox="1"/>
+          <p:nvPr/>
+        </p:nvSpPr>
+        <p:spPr>
+          <a:xfrm>
+            <a:off x="7554710" y="4960649"/>
+            <a:ext cx="912809" cy="246221"/>
+          </a:xfrm>
+          <a:prstGeom prst="rect">
+            <a:avLst/>
+          </a:prstGeom>
+          <a:noFill/>
+        </p:spPr>
+        <p:txBody>
+          <a:bodyPr wrap="square" rtlCol="0">
+            <a:spAutoFit/>
+          </a:bodyPr>
+          <a:lstStyle/>
+          <a:p>
+            <a:r>
+              <a:rPr lang="en-US" sz="1000" dirty="0"/>
+              <a:t>Sheep found</a:t>
+            </a:r>
+          </a:p>
+        </p:txBody>
+      </p:sp>
+      <p:sp>
+        <p:nvSpPr>
+          <p:cNvPr id="42" name="TextBox 41">
+            <a:extLst>
+              <a:ext uri="{FF2B5EF4-FFF2-40B4-BE49-F238E27FC236}">
+                <a16:creationId xmlns:a16="http://schemas.microsoft.com/office/drawing/2014/main" id="{14322098-7A01-4238-A737-64A9A98513DC}"/>
+              </a:ext>
+            </a:extLst>
+          </p:cNvPr>
+          <p:cNvSpPr txBox="1"/>
+          <p:nvPr/>
+        </p:nvSpPr>
+        <p:spPr>
+          <a:xfrm>
+            <a:off x="9950864" y="5747188"/>
+            <a:ext cx="1739317" cy="553998"/>
+          </a:xfrm>
+          <a:prstGeom prst="rect">
+            <a:avLst/>
+          </a:prstGeom>
+          <a:noFill/>
+        </p:spPr>
+        <p:txBody>
+          <a:bodyPr wrap="square" rtlCol="0">
+            <a:spAutoFit/>
+          </a:bodyPr>
+          <a:lstStyle/>
+          <a:p>
+            <a:r>
+              <a:rPr lang="en-US" sz="1000" dirty="0"/>
+              <a:t>Makes sure the sheep is in between the dog and gate entrance</a:t>
+            </a:r>
           </a:p>
         </p:txBody>
       </p:sp>
       <p:cxnSp>
         <p:nvCxnSpPr>
-          <p:cNvPr id="13" name="Straight Arrow Connector 12">
-            <a:extLst>
-              <a:ext uri="{FF2B5EF4-FFF2-40B4-BE49-F238E27FC236}">
-                <a16:creationId xmlns:a16="http://schemas.microsoft.com/office/drawing/2014/main" id="{C9172317-6E14-4455-95EF-0F82BC83AE61}"/>
+          <p:cNvPr id="48" name="Connector: Curved 47">
+            <a:extLst>
+              <a:ext uri="{FF2B5EF4-FFF2-40B4-BE49-F238E27FC236}">
+                <a16:creationId xmlns:a16="http://schemas.microsoft.com/office/drawing/2014/main" id="{FAD74F65-B4C2-4192-999E-DC3F9B9DCA54}"/>
               </a:ext>
             </a:extLst>
           </p:cNvPr>
           <p:cNvCxnSpPr>
-            <a:stCxn id="7" idx="3"/>
-            <a:endCxn id="11" idx="1"/>
+            <a:stCxn id="9" idx="2"/>
+            <a:endCxn id="10" idx="1"/>
           </p:cNvCxnSpPr>
           <p:nvPr/>
         </p:nvCxnSpPr>
         <p:spPr>
+          <a:xfrm rot="16200000" flipH="1">
+            <a:off x="6680741" y="2131888"/>
+            <a:ext cx="4204393" cy="1945574"/>
+          </a:xfrm>
+          <a:prstGeom prst="curvedConnector2">
+            <a:avLst/>
+          </a:prstGeom>
+          <a:ln>
+            <a:tailEnd type="triangle"/>
+          </a:ln>
+        </p:spPr>
+        <p:style>
+          <a:lnRef idx="1">
+            <a:schemeClr val="accent1"/>
+          </a:lnRef>
+          <a:fillRef idx="0">
+            <a:schemeClr val="accent1"/>
+          </a:fillRef>
+          <a:effectRef idx="0">
+            <a:schemeClr val="accent1"/>
+          </a:effectRef>
+          <a:fontRef idx="minor">
+            <a:schemeClr val="tx1"/>
+          </a:fontRef>
+        </p:style>
+      </p:cxnSp>
+      <p:sp>
+        <p:nvSpPr>
+          <p:cNvPr id="49" name="TextBox 48">
+            <a:extLst>
+              <a:ext uri="{FF2B5EF4-FFF2-40B4-BE49-F238E27FC236}">
+                <a16:creationId xmlns:a16="http://schemas.microsoft.com/office/drawing/2014/main" id="{AEF98C9C-73F3-4592-B9F5-382C7271210C}"/>
+              </a:ext>
+            </a:extLst>
+          </p:cNvPr>
+          <p:cNvSpPr txBox="1"/>
+          <p:nvPr/>
+        </p:nvSpPr>
+        <p:spPr>
+          <a:xfrm rot="3951616">
+            <a:off x="9641012" y="2011771"/>
+            <a:ext cx="1718990" cy="246221"/>
+          </a:xfrm>
+          <a:prstGeom prst="rect">
+            <a:avLst/>
+          </a:prstGeom>
+          <a:noFill/>
+        </p:spPr>
+        <p:txBody>
+          <a:bodyPr wrap="square" rtlCol="0">
+            <a:spAutoFit/>
+          </a:bodyPr>
+          <a:lstStyle/>
+          <a:p>
+            <a:r>
+              <a:rPr lang="en-US" sz="1000" dirty="0"/>
+              <a:t>Moves to the offset position</a:t>
+            </a:r>
+          </a:p>
+        </p:txBody>
+      </p:sp>
+      <p:sp>
+        <p:nvSpPr>
+          <p:cNvPr id="50" name="TextBox 49">
+            <a:extLst>
+              <a:ext uri="{FF2B5EF4-FFF2-40B4-BE49-F238E27FC236}">
+                <a16:creationId xmlns:a16="http://schemas.microsoft.com/office/drawing/2014/main" id="{5FAD15AC-A37F-445C-879F-09697623904B}"/>
+              </a:ext>
+            </a:extLst>
+          </p:cNvPr>
+          <p:cNvSpPr txBox="1"/>
+          <p:nvPr/>
+        </p:nvSpPr>
+        <p:spPr>
+          <a:xfrm rot="4148110">
+            <a:off x="7056163" y="2909409"/>
+            <a:ext cx="1811722" cy="246221"/>
+          </a:xfrm>
+          <a:prstGeom prst="rect">
+            <a:avLst/>
+          </a:prstGeom>
+          <a:noFill/>
+        </p:spPr>
+        <p:txBody>
+          <a:bodyPr wrap="square" rtlCol="0">
+            <a:spAutoFit/>
+          </a:bodyPr>
+          <a:lstStyle/>
+          <a:p>
+            <a:r>
+              <a:rPr lang="en-US" sz="1000" dirty="0"/>
+              <a:t>Recalculate the chase position</a:t>
+            </a:r>
+          </a:p>
+        </p:txBody>
+      </p:sp>
+      <p:sp>
+        <p:nvSpPr>
+          <p:cNvPr id="51" name="TextBox 50">
+            <a:extLst>
+              <a:ext uri="{FF2B5EF4-FFF2-40B4-BE49-F238E27FC236}">
+                <a16:creationId xmlns:a16="http://schemas.microsoft.com/office/drawing/2014/main" id="{CD86587D-F1AF-48AF-98AB-AF8BAD26B1D8}"/>
+              </a:ext>
+            </a:extLst>
+          </p:cNvPr>
+          <p:cNvSpPr txBox="1"/>
+          <p:nvPr/>
+        </p:nvSpPr>
+        <p:spPr>
           <a:xfrm>
-            <a:off x="2147582" y="2981238"/>
-            <a:ext cx="2776756" cy="2874283"/>
-          </a:xfrm>
-          <a:prstGeom prst="straightConnector1">
+            <a:off x="8667523" y="2339475"/>
+            <a:ext cx="1680656" cy="954107"/>
+          </a:xfrm>
+          <a:prstGeom prst="rect">
+            <a:avLst/>
+          </a:prstGeom>
+          <a:noFill/>
+        </p:spPr>
+        <p:txBody>
+          <a:bodyPr wrap="square" rtlCol="0">
+            <a:spAutoFit/>
+          </a:bodyPr>
+          <a:lstStyle/>
+          <a:p>
+            <a:r>
+              <a:rPr lang="en-US" sz="1400" dirty="0"/>
+              <a:t>Loop until the current sheep has been chased into the Pen</a:t>
+            </a:r>
+          </a:p>
+        </p:txBody>
+      </p:sp>
+      <p:cxnSp>
+        <p:nvCxnSpPr>
+          <p:cNvPr id="18" name="Connector: Curved 17">
+            <a:extLst>
+              <a:ext uri="{FF2B5EF4-FFF2-40B4-BE49-F238E27FC236}">
+                <a16:creationId xmlns:a16="http://schemas.microsoft.com/office/drawing/2014/main" id="{DE7BF1FC-5991-483A-804F-376DFE5EBE4A}"/>
+              </a:ext>
+            </a:extLst>
+          </p:cNvPr>
+          <p:cNvCxnSpPr>
+            <a:stCxn id="10" idx="0"/>
+            <a:endCxn id="9" idx="3"/>
+          </p:cNvCxnSpPr>
+          <p:nvPr/>
+        </p:nvCxnSpPr>
+        <p:spPr>
+          <a:xfrm rot="16200000" flipV="1">
+            <a:off x="7670642" y="1684126"/>
+            <a:ext cx="4204392" cy="1945574"/>
+          </a:xfrm>
+          <a:prstGeom prst="curvedConnector2">
             <a:avLst/>
           </a:prstGeom>
           <a:ln>
@@ -3595,23 +3992,24 @@
       </p:cxnSp>
       <p:cxnSp>
         <p:nvCxnSpPr>
-          <p:cNvPr id="15" name="Straight Arrow Connector 14">
-            <a:extLst>
-              <a:ext uri="{FF2B5EF4-FFF2-40B4-BE49-F238E27FC236}">
-                <a16:creationId xmlns:a16="http://schemas.microsoft.com/office/drawing/2014/main" id="{C3BAEB21-ACB6-42F6-BA28-5C94B9AF2C22}"/>
+          <p:cNvPr id="22" name="Straight Arrow Connector 21">
+            <a:extLst>
+              <a:ext uri="{FF2B5EF4-FFF2-40B4-BE49-F238E27FC236}">
+                <a16:creationId xmlns:a16="http://schemas.microsoft.com/office/drawing/2014/main" id="{2D08B02C-8794-4459-B7AA-32686BF59854}"/>
               </a:ext>
             </a:extLst>
           </p:cNvPr>
           <p:cNvCxnSpPr>
-            <a:stCxn id="11" idx="3"/>
+            <a:cxnSpLocks/>
+            <a:stCxn id="7" idx="3"/>
             <a:endCxn id="10" idx="1"/>
           </p:cNvCxnSpPr>
           <p:nvPr/>
         </p:nvCxnSpPr>
         <p:spPr>
-          <a:xfrm flipV="1">
-            <a:off x="6904140" y="2981238"/>
-            <a:ext cx="3140278" cy="2874283"/>
+          <a:xfrm>
+            <a:off x="5955663" y="4636295"/>
+            <a:ext cx="3800061" cy="570577"/>
           </a:xfrm>
           <a:prstGeom prst="straightConnector1">
             <a:avLst/>
@@ -3637,349 +4035,24 @@
       </p:cxnSp>
       <p:cxnSp>
         <p:nvCxnSpPr>
-          <p:cNvPr id="27" name="Straight Arrow Connector 26">
-            <a:extLst>
-              <a:ext uri="{FF2B5EF4-FFF2-40B4-BE49-F238E27FC236}">
-                <a16:creationId xmlns:a16="http://schemas.microsoft.com/office/drawing/2014/main" id="{D691B949-E02B-45E0-8DDB-3B22500DCF6B}"/>
+          <p:cNvPr id="34" name="Connector: Curved 33">
+            <a:extLst>
+              <a:ext uri="{FF2B5EF4-FFF2-40B4-BE49-F238E27FC236}">
+                <a16:creationId xmlns:a16="http://schemas.microsoft.com/office/drawing/2014/main" id="{839BBD1E-B314-44F0-A80F-1F529A95462C}"/>
               </a:ext>
             </a:extLst>
           </p:cNvPr>
           <p:cNvCxnSpPr>
-            <a:stCxn id="9" idx="1"/>
-            <a:endCxn id="7" idx="3"/>
+            <a:cxnSpLocks/>
+            <a:stCxn id="7" idx="0"/>
+            <a:endCxn id="8" idx="3"/>
           </p:cNvCxnSpPr>
           <p:nvPr/>
         </p:nvCxnSpPr>
         <p:spPr>
-          <a:xfrm flipH="1">
-            <a:off x="2147582" y="658531"/>
-            <a:ext cx="2776756" cy="2322707"/>
-          </a:xfrm>
-          <a:prstGeom prst="straightConnector1">
-            <a:avLst/>
-          </a:prstGeom>
-          <a:ln>
-            <a:tailEnd type="triangle"/>
-          </a:ln>
-        </p:spPr>
-        <p:style>
-          <a:lnRef idx="1">
-            <a:schemeClr val="accent1"/>
-          </a:lnRef>
-          <a:fillRef idx="0">
-            <a:schemeClr val="accent1"/>
-          </a:fillRef>
-          <a:effectRef idx="0">
-            <a:schemeClr val="accent1"/>
-          </a:effectRef>
-          <a:fontRef idx="minor">
-            <a:schemeClr val="tx1"/>
-          </a:fontRef>
-        </p:style>
-      </p:cxnSp>
-      <p:sp>
-        <p:nvSpPr>
-          <p:cNvPr id="28" name="TextBox 27">
-            <a:extLst>
-              <a:ext uri="{FF2B5EF4-FFF2-40B4-BE49-F238E27FC236}">
-                <a16:creationId xmlns:a16="http://schemas.microsoft.com/office/drawing/2014/main" id="{552EDF28-13C5-4AEC-8A31-547931CF0AB0}"/>
-              </a:ext>
-            </a:extLst>
-          </p:cNvPr>
-          <p:cNvSpPr txBox="1"/>
-          <p:nvPr/>
-        </p:nvSpPr>
-        <p:spPr>
-          <a:xfrm>
-            <a:off x="448810" y="2796571"/>
-            <a:ext cx="1417739" cy="369332"/>
-          </a:xfrm>
-          <a:prstGeom prst="rect">
-            <a:avLst/>
-          </a:prstGeom>
-          <a:noFill/>
-        </p:spPr>
-        <p:txBody>
-          <a:bodyPr wrap="square" rtlCol="0">
-            <a:spAutoFit/>
-          </a:bodyPr>
-          <a:lstStyle/>
-          <a:p>
-            <a:pPr algn="ctr"/>
-            <a:r>
-              <a:rPr lang="en-US" dirty="0"/>
-              <a:t>IDLE</a:t>
-            </a:r>
-          </a:p>
-        </p:txBody>
-      </p:sp>
-      <p:sp>
-        <p:nvSpPr>
-          <p:cNvPr id="29" name="TextBox 28">
-            <a:extLst>
-              <a:ext uri="{FF2B5EF4-FFF2-40B4-BE49-F238E27FC236}">
-                <a16:creationId xmlns:a16="http://schemas.microsoft.com/office/drawing/2014/main" id="{1E7B05C2-3AF5-4F5C-8CEB-2C5E14AF9CC3}"/>
-              </a:ext>
-            </a:extLst>
-          </p:cNvPr>
-          <p:cNvSpPr txBox="1"/>
-          <p:nvPr/>
-        </p:nvSpPr>
-        <p:spPr>
-          <a:xfrm>
-            <a:off x="4999838" y="5670854"/>
-            <a:ext cx="1820411" cy="369332"/>
-          </a:xfrm>
-          <a:prstGeom prst="rect">
-            <a:avLst/>
-          </a:prstGeom>
-          <a:noFill/>
-        </p:spPr>
-        <p:txBody>
-          <a:bodyPr wrap="square" rtlCol="0">
-            <a:spAutoFit/>
-          </a:bodyPr>
-          <a:lstStyle/>
-          <a:p>
-            <a:pPr algn="ctr"/>
-            <a:r>
-              <a:rPr lang="en-US" dirty="0" err="1"/>
-              <a:t>FindSheep</a:t>
-            </a:r>
-            <a:endParaRPr lang="en-US" dirty="0"/>
-          </a:p>
-        </p:txBody>
-      </p:sp>
-      <p:sp>
-        <p:nvSpPr>
-          <p:cNvPr id="32" name="TextBox 31">
-            <a:extLst>
-              <a:ext uri="{FF2B5EF4-FFF2-40B4-BE49-F238E27FC236}">
-                <a16:creationId xmlns:a16="http://schemas.microsoft.com/office/drawing/2014/main" id="{7DEF7954-3BDC-4E7C-925A-A75BE0A2E206}"/>
-              </a:ext>
-            </a:extLst>
-          </p:cNvPr>
-          <p:cNvSpPr txBox="1"/>
-          <p:nvPr/>
-        </p:nvSpPr>
-        <p:spPr>
-          <a:xfrm>
-            <a:off x="10128309" y="2796571"/>
-            <a:ext cx="1820410" cy="369332"/>
-          </a:xfrm>
-          <a:prstGeom prst="rect">
-            <a:avLst/>
-          </a:prstGeom>
-          <a:noFill/>
-        </p:spPr>
-        <p:txBody>
-          <a:bodyPr wrap="square" rtlCol="0">
-            <a:spAutoFit/>
-          </a:bodyPr>
-          <a:lstStyle/>
-          <a:p>
-            <a:r>
-              <a:rPr lang="en-US" dirty="0" err="1"/>
-              <a:t>CalcChaseOffset</a:t>
-            </a:r>
-            <a:endParaRPr lang="en-US" dirty="0"/>
-          </a:p>
-        </p:txBody>
-      </p:sp>
-      <p:sp>
-        <p:nvSpPr>
-          <p:cNvPr id="33" name="TextBox 32">
-            <a:extLst>
-              <a:ext uri="{FF2B5EF4-FFF2-40B4-BE49-F238E27FC236}">
-                <a16:creationId xmlns:a16="http://schemas.microsoft.com/office/drawing/2014/main" id="{34C1DE52-FB9C-4A4E-8B31-F86082010F38}"/>
-              </a:ext>
-            </a:extLst>
-          </p:cNvPr>
-          <p:cNvSpPr txBox="1"/>
-          <p:nvPr/>
-        </p:nvSpPr>
-        <p:spPr>
-          <a:xfrm>
-            <a:off x="4999838" y="473863"/>
-            <a:ext cx="1820412" cy="369332"/>
-          </a:xfrm>
-          <a:prstGeom prst="rect">
-            <a:avLst/>
-          </a:prstGeom>
-          <a:noFill/>
-        </p:spPr>
-        <p:txBody>
-          <a:bodyPr wrap="square" rtlCol="0">
-            <a:spAutoFit/>
-          </a:bodyPr>
-          <a:lstStyle/>
-          <a:p>
-            <a:pPr algn="ctr"/>
-            <a:r>
-              <a:rPr lang="en-US" dirty="0"/>
-              <a:t>Chase</a:t>
-            </a:r>
-          </a:p>
-        </p:txBody>
-      </p:sp>
-      <p:sp>
-        <p:nvSpPr>
-          <p:cNvPr id="39" name="TextBox 38">
-            <a:extLst>
-              <a:ext uri="{FF2B5EF4-FFF2-40B4-BE49-F238E27FC236}">
-                <a16:creationId xmlns:a16="http://schemas.microsoft.com/office/drawing/2014/main" id="{318D7486-2F44-4FE1-BFA5-9918ADFF4A0A}"/>
-              </a:ext>
-            </a:extLst>
-          </p:cNvPr>
-          <p:cNvSpPr txBox="1"/>
-          <p:nvPr/>
-        </p:nvSpPr>
-        <p:spPr>
-          <a:xfrm rot="19226451">
-            <a:off x="2586964" y="1433454"/>
-            <a:ext cx="1979802" cy="253916"/>
-          </a:xfrm>
-          <a:prstGeom prst="rect">
-            <a:avLst/>
-          </a:prstGeom>
-          <a:noFill/>
-        </p:spPr>
-        <p:txBody>
-          <a:bodyPr wrap="square" rtlCol="0">
-            <a:spAutoFit/>
-          </a:bodyPr>
-          <a:lstStyle/>
-          <a:p>
-            <a:r>
-              <a:rPr lang="en-US" sz="1050" dirty="0"/>
-              <a:t>No sheep to chase</a:t>
-            </a:r>
-          </a:p>
-        </p:txBody>
-      </p:sp>
-      <p:sp>
-        <p:nvSpPr>
-          <p:cNvPr id="40" name="TextBox 39">
-            <a:extLst>
-              <a:ext uri="{FF2B5EF4-FFF2-40B4-BE49-F238E27FC236}">
-                <a16:creationId xmlns:a16="http://schemas.microsoft.com/office/drawing/2014/main" id="{E577A486-0E46-408F-9DB9-E2D84AF0CAA4}"/>
-              </a:ext>
-            </a:extLst>
-          </p:cNvPr>
-          <p:cNvSpPr txBox="1"/>
-          <p:nvPr/>
-        </p:nvSpPr>
-        <p:spPr>
-          <a:xfrm rot="2708284" flipH="1">
-            <a:off x="2858310" y="4295268"/>
-            <a:ext cx="1979802" cy="246221"/>
-          </a:xfrm>
-          <a:prstGeom prst="rect">
-            <a:avLst/>
-          </a:prstGeom>
-          <a:noFill/>
-        </p:spPr>
-        <p:txBody>
-          <a:bodyPr wrap="square" rtlCol="0">
-            <a:spAutoFit/>
-          </a:bodyPr>
-          <a:lstStyle/>
-          <a:p>
-            <a:r>
-              <a:rPr lang="en-US" sz="1000" dirty="0"/>
-              <a:t>Herd &gt; 0, No sheep to chase</a:t>
-            </a:r>
-          </a:p>
-        </p:txBody>
-      </p:sp>
-      <p:sp>
-        <p:nvSpPr>
-          <p:cNvPr id="41" name="TextBox 40">
-            <a:extLst>
-              <a:ext uri="{FF2B5EF4-FFF2-40B4-BE49-F238E27FC236}">
-                <a16:creationId xmlns:a16="http://schemas.microsoft.com/office/drawing/2014/main" id="{7B2024D1-53CC-4CAC-9929-AF90834C368E}"/>
-              </a:ext>
-            </a:extLst>
-          </p:cNvPr>
-          <p:cNvSpPr txBox="1"/>
-          <p:nvPr/>
-        </p:nvSpPr>
-        <p:spPr>
-          <a:xfrm rot="19039016">
-            <a:off x="7598903" y="4295267"/>
-            <a:ext cx="912809" cy="246221"/>
-          </a:xfrm>
-          <a:prstGeom prst="rect">
-            <a:avLst/>
-          </a:prstGeom>
-          <a:noFill/>
-        </p:spPr>
-        <p:txBody>
-          <a:bodyPr wrap="square" rtlCol="0">
-            <a:spAutoFit/>
-          </a:bodyPr>
-          <a:lstStyle/>
-          <a:p>
-            <a:r>
-              <a:rPr lang="en-US" sz="1000" dirty="0"/>
-              <a:t>Sheep found</a:t>
-            </a:r>
-          </a:p>
-        </p:txBody>
-      </p:sp>
-      <p:sp>
-        <p:nvSpPr>
-          <p:cNvPr id="42" name="TextBox 41">
-            <a:extLst>
-              <a:ext uri="{FF2B5EF4-FFF2-40B4-BE49-F238E27FC236}">
-                <a16:creationId xmlns:a16="http://schemas.microsoft.com/office/drawing/2014/main" id="{14322098-7A01-4238-A737-64A9A98513DC}"/>
-              </a:ext>
-            </a:extLst>
-          </p:cNvPr>
-          <p:cNvSpPr txBox="1"/>
-          <p:nvPr/>
-        </p:nvSpPr>
-        <p:spPr>
-          <a:xfrm>
-            <a:off x="10209402" y="3469736"/>
-            <a:ext cx="1739317" cy="553998"/>
-          </a:xfrm>
-          <a:prstGeom prst="rect">
-            <a:avLst/>
-          </a:prstGeom>
-          <a:noFill/>
-        </p:spPr>
-        <p:txBody>
-          <a:bodyPr wrap="square" rtlCol="0">
-            <a:spAutoFit/>
-          </a:bodyPr>
-          <a:lstStyle/>
-          <a:p>
-            <a:r>
-              <a:rPr lang="en-US" sz="1000" dirty="0"/>
-              <a:t>Makes sure the sheep is in between the dog and gate entrance</a:t>
-            </a:r>
-          </a:p>
-        </p:txBody>
-      </p:sp>
-      <p:cxnSp>
-        <p:nvCxnSpPr>
-          <p:cNvPr id="46" name="Connector: Curved 45">
-            <a:extLst>
-              <a:ext uri="{FF2B5EF4-FFF2-40B4-BE49-F238E27FC236}">
-                <a16:creationId xmlns:a16="http://schemas.microsoft.com/office/drawing/2014/main" id="{95C244D3-BCF7-4E23-9312-3BFEBCCE2614}"/>
-              </a:ext>
-            </a:extLst>
-          </p:cNvPr>
-          <p:cNvCxnSpPr>
-            <a:stCxn id="10" idx="0"/>
-          </p:cNvCxnSpPr>
-          <p:nvPr/>
-        </p:nvCxnSpPr>
-        <p:spPr>
           <a:xfrm rot="16200000" flipV="1">
-            <a:off x="8031757" y="-469088"/>
-            <a:ext cx="1874946" cy="4130179"/>
+            <a:off x="2904034" y="2140895"/>
+            <a:ext cx="1330703" cy="3011388"/>
           </a:xfrm>
           <a:prstGeom prst="curvedConnector2">
             <a:avLst/>
@@ -4005,23 +4078,24 @@
       </p:cxnSp>
       <p:cxnSp>
         <p:nvCxnSpPr>
-          <p:cNvPr id="48" name="Connector: Curved 47">
-            <a:extLst>
-              <a:ext uri="{FF2B5EF4-FFF2-40B4-BE49-F238E27FC236}">
-                <a16:creationId xmlns:a16="http://schemas.microsoft.com/office/drawing/2014/main" id="{FAD74F65-B4C2-4192-999E-DC3F9B9DCA54}"/>
+          <p:cNvPr id="36" name="Connector: Curved 35">
+            <a:extLst>
+              <a:ext uri="{FF2B5EF4-FFF2-40B4-BE49-F238E27FC236}">
+                <a16:creationId xmlns:a16="http://schemas.microsoft.com/office/drawing/2014/main" id="{B68FC0E5-B2F3-4C29-A674-7266C049967D}"/>
               </a:ext>
             </a:extLst>
           </p:cNvPr>
           <p:cNvCxnSpPr>
-            <a:stCxn id="9" idx="2"/>
-            <a:endCxn id="10" idx="1"/>
+            <a:cxnSpLocks/>
+            <a:stCxn id="8" idx="2"/>
+            <a:endCxn id="7" idx="1"/>
           </p:cNvCxnSpPr>
           <p:nvPr/>
         </p:nvCxnSpPr>
         <p:spPr>
           <a:xfrm rot="16200000" flipH="1">
-            <a:off x="7041856" y="-21325"/>
-            <a:ext cx="1874945" cy="4130179"/>
+            <a:off x="2037310" y="2479110"/>
+            <a:ext cx="1269165" cy="3045203"/>
           </a:xfrm>
           <a:prstGeom prst="curvedConnector2">
             <a:avLst/>
@@ -4047,10 +4121,56 @@
       </p:cxnSp>
       <p:sp>
         <p:nvSpPr>
-          <p:cNvPr id="49" name="TextBox 48">
-            <a:extLst>
-              <a:ext uri="{FF2B5EF4-FFF2-40B4-BE49-F238E27FC236}">
-                <a16:creationId xmlns:a16="http://schemas.microsoft.com/office/drawing/2014/main" id="{AEF98C9C-73F3-4592-B9F5-382C7271210C}"/>
+          <p:cNvPr id="37" name="Rectangle: Rounded Corners 36">
+            <a:extLst>
+              <a:ext uri="{FF2B5EF4-FFF2-40B4-BE49-F238E27FC236}">
+                <a16:creationId xmlns:a16="http://schemas.microsoft.com/office/drawing/2014/main" id="{FDCB06F7-6803-4176-A04B-F6C35E028E16}"/>
+              </a:ext>
+            </a:extLst>
+          </p:cNvPr>
+          <p:cNvSpPr/>
+          <p:nvPr/>
+        </p:nvSpPr>
+        <p:spPr>
+          <a:xfrm>
+            <a:off x="4316633" y="4359809"/>
+            <a:ext cx="1546803" cy="553200"/>
+          </a:xfrm>
+          <a:prstGeom prst="roundRect">
+            <a:avLst/>
+          </a:prstGeom>
+        </p:spPr>
+        <p:style>
+          <a:lnRef idx="2">
+            <a:schemeClr val="accent1">
+              <a:shade val="50000"/>
+            </a:schemeClr>
+          </a:lnRef>
+          <a:fillRef idx="1">
+            <a:schemeClr val="accent1"/>
+          </a:fillRef>
+          <a:effectRef idx="0">
+            <a:schemeClr val="accent1"/>
+          </a:effectRef>
+          <a:fontRef idx="minor">
+            <a:schemeClr val="lt1"/>
+          </a:fontRef>
+        </p:style>
+        <p:txBody>
+          <a:bodyPr rtlCol="0" anchor="ctr"/>
+          <a:lstStyle/>
+          <a:p>
+            <a:pPr algn="ctr"/>
+            <a:endParaRPr lang="en-US"/>
+          </a:p>
+        </p:txBody>
+      </p:sp>
+      <p:sp>
+        <p:nvSpPr>
+          <p:cNvPr id="47" name="TextBox 46">
+            <a:extLst>
+              <a:ext uri="{FF2B5EF4-FFF2-40B4-BE49-F238E27FC236}">
+                <a16:creationId xmlns:a16="http://schemas.microsoft.com/office/drawing/2014/main" id="{91B7385B-B692-4BA1-BF3B-9FBFE88FAD7F}"/>
               </a:ext>
             </a:extLst>
           </p:cNvPr>
@@ -4058,9 +4178,9 @@
           <p:nvPr/>
         </p:nvSpPr>
         <p:spPr>
-          <a:xfrm rot="1324467">
-            <a:off x="8821401" y="861527"/>
-            <a:ext cx="1718990" cy="246221"/>
+          <a:xfrm>
+            <a:off x="4444382" y="4457343"/>
+            <a:ext cx="1324389" cy="369332"/>
           </a:xfrm>
           <a:prstGeom prst="rect">
             <a:avLst/>
@@ -4074,18 +4194,19 @@
           <a:lstStyle/>
           <a:p>
             <a:r>
-              <a:rPr lang="en-US" sz="1000" dirty="0"/>
-              <a:t>Moves to the offset position</a:t>
-            </a:r>
-          </a:p>
-        </p:txBody>
-      </p:sp>
-      <p:sp>
-        <p:nvSpPr>
-          <p:cNvPr id="50" name="TextBox 49">
-            <a:extLst>
-              <a:ext uri="{FF2B5EF4-FFF2-40B4-BE49-F238E27FC236}">
-                <a16:creationId xmlns:a16="http://schemas.microsoft.com/office/drawing/2014/main" id="{5FAD15AC-A37F-445C-879F-09697623904B}"/>
+              <a:rPr lang="en-US" dirty="0" err="1"/>
+              <a:t>FindSheep</a:t>
+            </a:r>
+            <a:endParaRPr lang="en-US" dirty="0"/>
+          </a:p>
+        </p:txBody>
+      </p:sp>
+      <p:sp>
+        <p:nvSpPr>
+          <p:cNvPr id="56" name="TextBox 55">
+            <a:extLst>
+              <a:ext uri="{FF2B5EF4-FFF2-40B4-BE49-F238E27FC236}">
+                <a16:creationId xmlns:a16="http://schemas.microsoft.com/office/drawing/2014/main" id="{F01A668A-45C9-4468-9BA0-EE5048AA0912}"/>
               </a:ext>
             </a:extLst>
           </p:cNvPr>
@@ -4093,9 +4214,9 @@
           <p:nvPr/>
         </p:nvSpPr>
         <p:spPr>
-          <a:xfrm rot="1390273">
-            <a:off x="6730474" y="2161251"/>
-            <a:ext cx="1811722" cy="246221"/>
+          <a:xfrm rot="16898440">
+            <a:off x="5567851" y="2205798"/>
+            <a:ext cx="1388302" cy="246221"/>
           </a:xfrm>
           <a:prstGeom prst="rect">
             <a:avLst/>
@@ -4110,17 +4231,17 @@
           <a:p>
             <a:r>
               <a:rPr lang="en-US" sz="1000" dirty="0"/>
-              <a:t>Recalculate the chase position</a:t>
-            </a:r>
-          </a:p>
-        </p:txBody>
-      </p:sp>
-      <p:sp>
-        <p:nvSpPr>
-          <p:cNvPr id="51" name="TextBox 50">
-            <a:extLst>
-              <a:ext uri="{FF2B5EF4-FFF2-40B4-BE49-F238E27FC236}">
-                <a16:creationId xmlns:a16="http://schemas.microsoft.com/office/drawing/2014/main" id="{CD86587D-F1AF-48AF-98AB-AF8BAD26B1D8}"/>
+              <a:t>Sheep Chased into Pen</a:t>
+            </a:r>
+          </a:p>
+        </p:txBody>
+      </p:sp>
+      <p:sp>
+        <p:nvSpPr>
+          <p:cNvPr id="57" name="TextBox 56">
+            <a:extLst>
+              <a:ext uri="{FF2B5EF4-FFF2-40B4-BE49-F238E27FC236}">
+                <a16:creationId xmlns:a16="http://schemas.microsoft.com/office/drawing/2014/main" id="{1E23C016-2D9D-4EFB-8176-130871BA0F41}"/>
               </a:ext>
             </a:extLst>
           </p:cNvPr>
@@ -4129,8 +4250,8 @@
         </p:nvSpPr>
         <p:spPr>
           <a:xfrm>
-            <a:off x="7267662" y="1399723"/>
-            <a:ext cx="2413234" cy="523220"/>
+            <a:off x="251668" y="429838"/>
+            <a:ext cx="4907561" cy="1446550"/>
           </a:xfrm>
           <a:prstGeom prst="rect">
             <a:avLst/>
@@ -4143,9 +4264,10 @@
           </a:bodyPr>
           <a:lstStyle/>
           <a:p>
-            <a:r>
-              <a:rPr lang="en-US" sz="1400" dirty="0"/>
-              <a:t>Loop until the current sheep has been chased into the Pen</a:t>
+            <a:pPr algn="ctr"/>
+            <a:r>
+              <a:rPr lang="en-US" sz="4400" dirty="0"/>
+              <a:t>Sheep Herding State Machine</a:t>
             </a:r>
           </a:p>
         </p:txBody>
